--- a/assets/img/math/la/rotation_matrix/rotation_matrix.pptx
+++ b/assets/img/math/la/rotation_matrix/rotation_matrix.pptx
@@ -6,6 +6,8 @@
   </p:sldMasterIdLst>
   <p:sldIdLst>
     <p:sldId id="256" r:id="rId2"/>
+    <p:sldId id="257" r:id="rId3"/>
+    <p:sldId id="258" r:id="rId4"/>
   </p:sldIdLst>
   <p:sldSz cx="9906000" cy="6858000" type="A4"/>
   <p:notesSz cx="6858000" cy="9144000"/>
@@ -104,6 +106,11 @@
       </a:defRPr>
     </a:lvl9pPr>
   </p:defaultTextStyle>
+  <p:extLst>
+    <p:ext uri="{EFAFB233-063F-42B5-8137-9DF3F51BA10A}">
+      <p15:sldGuideLst xmlns:p15="http://schemas.microsoft.com/office/powerpoint/2012/main"/>
+    </p:ext>
+  </p:extLst>
 </p:presentation>
 </file>
 
@@ -141,7 +148,7 @@
           <a:p>
             <a:fld id="{5A0BAE39-323B-4A63-B671-007B038DF96F}" type="datetimeFigureOut">
               <a:rPr lang="ko-KR" altLang="en-US" smtClean="0"/>
-              <a:t>2020-03-01</a:t>
+              <a:t>2020-03-12</a:t>
             </a:fld>
             <a:endParaRPr lang="ko-KR" altLang="en-US"/>
           </a:p>
@@ -595,7 +602,7 @@
           <a:p>
             <a:fld id="{5A0BAE39-323B-4A63-B671-007B038DF96F}" type="datetimeFigureOut">
               <a:rPr lang="ko-KR" altLang="en-US" smtClean="0"/>
-              <a:t>2020-03-01</a:t>
+              <a:t>2020-03-12</a:t>
             </a:fld>
             <a:endParaRPr lang="ko-KR" altLang="en-US"/>
           </a:p>
@@ -775,7 +782,7 @@
           <a:p>
             <a:fld id="{5A0BAE39-323B-4A63-B671-007B038DF96F}" type="datetimeFigureOut">
               <a:rPr lang="ko-KR" altLang="en-US" smtClean="0"/>
-              <a:t>2020-03-01</a:t>
+              <a:t>2020-03-12</a:t>
             </a:fld>
             <a:endParaRPr lang="ko-KR" altLang="en-US"/>
           </a:p>
@@ -945,7 +952,7 @@
           <a:p>
             <a:fld id="{5A0BAE39-323B-4A63-B671-007B038DF96F}" type="datetimeFigureOut">
               <a:rPr lang="ko-KR" altLang="en-US" smtClean="0"/>
-              <a:t>2020-03-01</a:t>
+              <a:t>2020-03-12</a:t>
             </a:fld>
             <a:endParaRPr lang="ko-KR" altLang="en-US"/>
           </a:p>
@@ -1189,7 +1196,7 @@
           <a:p>
             <a:fld id="{5A0BAE39-323B-4A63-B671-007B038DF96F}" type="datetimeFigureOut">
               <a:rPr lang="ko-KR" altLang="en-US" smtClean="0"/>
-              <a:t>2020-03-01</a:t>
+              <a:t>2020-03-12</a:t>
             </a:fld>
             <a:endParaRPr lang="ko-KR" altLang="en-US"/>
           </a:p>
@@ -1421,7 +1428,7 @@
           <a:p>
             <a:fld id="{5A0BAE39-323B-4A63-B671-007B038DF96F}" type="datetimeFigureOut">
               <a:rPr lang="ko-KR" altLang="en-US" smtClean="0"/>
-              <a:t>2020-03-01</a:t>
+              <a:t>2020-03-12</a:t>
             </a:fld>
             <a:endParaRPr lang="ko-KR" altLang="en-US"/>
           </a:p>
@@ -1788,7 +1795,7 @@
           <a:p>
             <a:fld id="{5A0BAE39-323B-4A63-B671-007B038DF96F}" type="datetimeFigureOut">
               <a:rPr lang="ko-KR" altLang="en-US" smtClean="0"/>
-              <a:t>2020-03-01</a:t>
+              <a:t>2020-03-12</a:t>
             </a:fld>
             <a:endParaRPr lang="ko-KR" altLang="en-US"/>
           </a:p>
@@ -1906,7 +1913,7 @@
           <a:p>
             <a:fld id="{5A0BAE39-323B-4A63-B671-007B038DF96F}" type="datetimeFigureOut">
               <a:rPr lang="ko-KR" altLang="en-US" smtClean="0"/>
-              <a:t>2020-03-01</a:t>
+              <a:t>2020-03-12</a:t>
             </a:fld>
             <a:endParaRPr lang="ko-KR" altLang="en-US"/>
           </a:p>
@@ -2001,7 +2008,7 @@
           <a:p>
             <a:fld id="{5A0BAE39-323B-4A63-B671-007B038DF96F}" type="datetimeFigureOut">
               <a:rPr lang="ko-KR" altLang="en-US" smtClean="0"/>
-              <a:t>2020-03-01</a:t>
+              <a:t>2020-03-12</a:t>
             </a:fld>
             <a:endParaRPr lang="ko-KR" altLang="en-US"/>
           </a:p>
@@ -2278,7 +2285,7 @@
           <a:p>
             <a:fld id="{5A0BAE39-323B-4A63-B671-007B038DF96F}" type="datetimeFigureOut">
               <a:rPr lang="ko-KR" altLang="en-US" smtClean="0"/>
-              <a:t>2020-03-01</a:t>
+              <a:t>2020-03-12</a:t>
             </a:fld>
             <a:endParaRPr lang="ko-KR" altLang="en-US"/>
           </a:p>
@@ -2535,7 +2542,7 @@
           <a:p>
             <a:fld id="{5A0BAE39-323B-4A63-B671-007B038DF96F}" type="datetimeFigureOut">
               <a:rPr lang="ko-KR" altLang="en-US" smtClean="0"/>
-              <a:t>2020-03-01</a:t>
+              <a:t>2020-03-12</a:t>
             </a:fld>
             <a:endParaRPr lang="ko-KR" altLang="en-US"/>
           </a:p>
@@ -2748,7 +2755,7 @@
           <a:p>
             <a:fld id="{5A0BAE39-323B-4A63-B671-007B038DF96F}" type="datetimeFigureOut">
               <a:rPr lang="ko-KR" altLang="en-US" smtClean="0"/>
-              <a:t>2020-03-01</a:t>
+              <a:t>2020-03-12</a:t>
             </a:fld>
             <a:endParaRPr lang="ko-KR" altLang="en-US"/>
           </a:p>
@@ -3209,8 +3216,8 @@
           </a:p>
         </p:txBody>
       </p:sp>
-      <mc:AlternateContent xmlns:mc="http://schemas.openxmlformats.org/markup-compatibility/2006">
-        <mc:Choice xmlns:a14="http://schemas.microsoft.com/office/drawing/2010/main" Requires="a14">
+      <mc:AlternateContent xmlns:mc="http://schemas.openxmlformats.org/markup-compatibility/2006" xmlns:a14="http://schemas.microsoft.com/office/drawing/2010/main">
+        <mc:Choice Requires="a14">
           <p:sp>
             <p:nvSpPr>
               <p:cNvPr id="4" name="TextBox 3">
@@ -3294,7 +3301,7 @@
             </p:txBody>
           </p:sp>
         </mc:Choice>
-        <mc:Fallback>
+        <mc:Fallback xmlns="">
           <p:sp>
             <p:nvSpPr>
               <p:cNvPr id="4" name="TextBox 3">
@@ -3418,6 +3425,1384 @@
     <p:extLst>
       <p:ext uri="{BB962C8B-B14F-4D97-AF65-F5344CB8AC3E}">
         <p14:creationId xmlns:p14="http://schemas.microsoft.com/office/powerpoint/2010/main" val="2925750830"/>
+      </p:ext>
+    </p:extLst>
+  </p:cSld>
+  <p:clrMapOvr>
+    <a:masterClrMapping/>
+  </p:clrMapOvr>
+</p:sld>
+</file>
+
+<file path=ppt/slides/slide2.xml><?xml version="1.0" encoding="utf-8"?>
+<p:sld xmlns:a="http://schemas.openxmlformats.org/drawingml/2006/main" xmlns:r="http://schemas.openxmlformats.org/officeDocument/2006/relationships" xmlns:p="http://schemas.openxmlformats.org/presentationml/2006/main">
+  <p:cSld>
+    <p:spTree>
+      <p:nvGrpSpPr>
+        <p:cNvPr id="1" name=""/>
+        <p:cNvGrpSpPr/>
+        <p:nvPr/>
+      </p:nvGrpSpPr>
+      <p:grpSpPr>
+        <a:xfrm>
+          <a:off x="0" y="0"/>
+          <a:ext cx="0" cy="0"/>
+          <a:chOff x="0" y="0"/>
+          <a:chExt cx="0" cy="0"/>
+        </a:xfrm>
+      </p:grpSpPr>
+      <p:sp>
+        <p:nvSpPr>
+          <p:cNvPr id="2" name="제목 1">
+            <a:extLst>
+              <a:ext uri="{FF2B5EF4-FFF2-40B4-BE49-F238E27FC236}">
+                <a16:creationId xmlns:a16="http://schemas.microsoft.com/office/drawing/2014/main" id="{370FAB63-B3B1-4608-9491-68A24E62DE2C}"/>
+              </a:ext>
+            </a:extLst>
+          </p:cNvPr>
+          <p:cNvSpPr>
+            <a:spLocks noGrp="1"/>
+          </p:cNvSpPr>
+          <p:nvPr>
+            <p:ph type="title"/>
+          </p:nvPr>
+        </p:nvSpPr>
+        <p:spPr/>
+        <p:txBody>
+          <a:bodyPr>
+            <a:normAutofit fontScale="90000"/>
+          </a:bodyPr>
+          <a:lstStyle/>
+          <a:p>
+            <a:endParaRPr lang="ko-KR" altLang="en-US" dirty="0"/>
+          </a:p>
+        </p:txBody>
+      </p:sp>
+      <p:pic>
+        <p:nvPicPr>
+          <p:cNvPr id="4" name="그림 3">
+            <a:extLst>
+              <a:ext uri="{FF2B5EF4-FFF2-40B4-BE49-F238E27FC236}">
+                <a16:creationId xmlns:a16="http://schemas.microsoft.com/office/drawing/2014/main" id="{E3DB48AC-5A95-43B1-AF54-D6B756E0F97D}"/>
+              </a:ext>
+            </a:extLst>
+          </p:cNvPr>
+          <p:cNvPicPr>
+            <a:picLocks noChangeAspect="1"/>
+          </p:cNvPicPr>
+          <p:nvPr/>
+        </p:nvPicPr>
+        <p:blipFill>
+          <a:blip r:embed="rId2"/>
+          <a:stretch>
+            <a:fillRect/>
+          </a:stretch>
+        </p:blipFill>
+        <p:spPr>
+          <a:xfrm>
+            <a:off x="935216" y="1631397"/>
+            <a:ext cx="5776461" cy="4115157"/>
+          </a:xfrm>
+          <a:prstGeom prst="rect">
+            <a:avLst/>
+          </a:prstGeom>
+        </p:spPr>
+      </p:pic>
+      <p:sp>
+        <p:nvSpPr>
+          <p:cNvPr id="5" name="직사각형 4">
+            <a:extLst>
+              <a:ext uri="{FF2B5EF4-FFF2-40B4-BE49-F238E27FC236}">
+                <a16:creationId xmlns:a16="http://schemas.microsoft.com/office/drawing/2014/main" id="{73BFF749-FAD2-4BEB-A25C-68C76C2D6F4A}"/>
+              </a:ext>
+            </a:extLst>
+          </p:cNvPr>
+          <p:cNvSpPr/>
+          <p:nvPr/>
+        </p:nvSpPr>
+        <p:spPr>
+          <a:xfrm>
+            <a:off x="2913530" y="2716485"/>
+            <a:ext cx="2205317" cy="2187209"/>
+          </a:xfrm>
+          <a:prstGeom prst="rect">
+            <a:avLst/>
+          </a:prstGeom>
+          <a:noFill/>
+          <a:ln w="19050">
+            <a:solidFill>
+              <a:schemeClr val="tx1"/>
+            </a:solidFill>
+          </a:ln>
+        </p:spPr>
+        <p:style>
+          <a:lnRef idx="2">
+            <a:schemeClr val="accent1">
+              <a:shade val="50000"/>
+            </a:schemeClr>
+          </a:lnRef>
+          <a:fillRef idx="1">
+            <a:schemeClr val="accent1"/>
+          </a:fillRef>
+          <a:effectRef idx="0">
+            <a:schemeClr val="accent1"/>
+          </a:effectRef>
+          <a:fontRef idx="minor">
+            <a:schemeClr val="lt1"/>
+          </a:fontRef>
+        </p:style>
+        <p:txBody>
+          <a:bodyPr rtlCol="0" anchor="ctr"/>
+          <a:lstStyle/>
+          <a:p>
+            <a:pPr algn="ctr"/>
+            <a:endParaRPr lang="ko-KR" altLang="en-US"/>
+          </a:p>
+        </p:txBody>
+      </p:sp>
+      <p:sp>
+        <p:nvSpPr>
+          <p:cNvPr id="6" name="직사각형 5">
+            <a:extLst>
+              <a:ext uri="{FF2B5EF4-FFF2-40B4-BE49-F238E27FC236}">
+                <a16:creationId xmlns:a16="http://schemas.microsoft.com/office/drawing/2014/main" id="{CC388D6D-D7DB-449A-81A5-73E026607719}"/>
+              </a:ext>
+            </a:extLst>
+          </p:cNvPr>
+          <p:cNvSpPr/>
+          <p:nvPr/>
+        </p:nvSpPr>
+        <p:spPr>
+          <a:xfrm rot="19800000">
+            <a:off x="2235351" y="2311671"/>
+            <a:ext cx="2205317" cy="2187209"/>
+          </a:xfrm>
+          <a:prstGeom prst="rect">
+            <a:avLst/>
+          </a:prstGeom>
+          <a:noFill/>
+          <a:ln w="19050">
+            <a:solidFill>
+              <a:srgbClr val="FF0000"/>
+            </a:solidFill>
+          </a:ln>
+        </p:spPr>
+        <p:style>
+          <a:lnRef idx="2">
+            <a:schemeClr val="accent1">
+              <a:shade val="50000"/>
+            </a:schemeClr>
+          </a:lnRef>
+          <a:fillRef idx="1">
+            <a:schemeClr val="accent1"/>
+          </a:fillRef>
+          <a:effectRef idx="0">
+            <a:schemeClr val="accent1"/>
+          </a:effectRef>
+          <a:fontRef idx="minor">
+            <a:schemeClr val="lt1"/>
+          </a:fontRef>
+        </p:style>
+        <p:txBody>
+          <a:bodyPr rtlCol="0" anchor="ctr"/>
+          <a:lstStyle/>
+          <a:p>
+            <a:pPr algn="ctr"/>
+            <a:endParaRPr lang="ko-KR" altLang="en-US"/>
+          </a:p>
+        </p:txBody>
+      </p:sp>
+    </p:spTree>
+    <p:extLst>
+      <p:ext uri="{BB962C8B-B14F-4D97-AF65-F5344CB8AC3E}">
+        <p14:creationId xmlns:p14="http://schemas.microsoft.com/office/powerpoint/2010/main" val="136932779"/>
+      </p:ext>
+    </p:extLst>
+  </p:cSld>
+  <p:clrMapOvr>
+    <a:masterClrMapping/>
+  </p:clrMapOvr>
+</p:sld>
+</file>
+
+<file path=ppt/slides/slide3.xml><?xml version="1.0" encoding="utf-8"?>
+<p:sld xmlns:a="http://schemas.openxmlformats.org/drawingml/2006/main" xmlns:r="http://schemas.openxmlformats.org/officeDocument/2006/relationships" xmlns:p="http://schemas.openxmlformats.org/presentationml/2006/main">
+  <p:cSld>
+    <p:bg>
+      <p:bgPr>
+        <a:solidFill>
+          <a:schemeClr val="bg1">
+            <a:alpha val="40000"/>
+          </a:schemeClr>
+        </a:solidFill>
+        <a:effectLst/>
+      </p:bgPr>
+    </p:bg>
+    <p:spTree>
+      <p:nvGrpSpPr>
+        <p:cNvPr id="1" name=""/>
+        <p:cNvGrpSpPr/>
+        <p:nvPr/>
+      </p:nvGrpSpPr>
+      <p:grpSpPr>
+        <a:xfrm>
+          <a:off x="0" y="0"/>
+          <a:ext cx="0" cy="0"/>
+          <a:chOff x="0" y="0"/>
+          <a:chExt cx="0" cy="0"/>
+        </a:xfrm>
+      </p:grpSpPr>
+      <p:pic>
+        <p:nvPicPr>
+          <p:cNvPr id="4" name="그림 3">
+            <a:extLst>
+              <a:ext uri="{FF2B5EF4-FFF2-40B4-BE49-F238E27FC236}">
+                <a16:creationId xmlns:a16="http://schemas.microsoft.com/office/drawing/2014/main" id="{B0B4548D-42E5-47AF-9826-05FF3C5F7133}"/>
+              </a:ext>
+            </a:extLst>
+          </p:cNvPr>
+          <p:cNvPicPr>
+            <a:picLocks noChangeAspect="1"/>
+          </p:cNvPicPr>
+          <p:nvPr/>
+        </p:nvPicPr>
+        <p:blipFill rotWithShape="1">
+          <a:blip r:embed="rId2"/>
+          <a:srcRect r="27376"/>
+          <a:stretch/>
+        </p:blipFill>
+        <p:spPr>
+          <a:xfrm>
+            <a:off x="491215" y="712304"/>
+            <a:ext cx="4610151" cy="3833192"/>
+          </a:xfrm>
+          <a:prstGeom prst="rect">
+            <a:avLst/>
+          </a:prstGeom>
+        </p:spPr>
+      </p:pic>
+      <p:sp>
+        <p:nvSpPr>
+          <p:cNvPr id="5" name="직사각형 4">
+            <a:extLst>
+              <a:ext uri="{FF2B5EF4-FFF2-40B4-BE49-F238E27FC236}">
+                <a16:creationId xmlns:a16="http://schemas.microsoft.com/office/drawing/2014/main" id="{7A24CAE9-94CB-4DB1-8C04-44BBCBA4E717}"/>
+              </a:ext>
+            </a:extLst>
+          </p:cNvPr>
+          <p:cNvSpPr/>
+          <p:nvPr/>
+        </p:nvSpPr>
+        <p:spPr>
+          <a:xfrm>
+            <a:off x="2082950" y="1398225"/>
+            <a:ext cx="2207110" cy="2213655"/>
+          </a:xfrm>
+          <a:prstGeom prst="rect">
+            <a:avLst/>
+          </a:prstGeom>
+          <a:noFill/>
+          <a:ln w="19050">
+            <a:solidFill>
+              <a:schemeClr val="tx1"/>
+            </a:solidFill>
+          </a:ln>
+        </p:spPr>
+        <p:style>
+          <a:lnRef idx="2">
+            <a:schemeClr val="accent1">
+              <a:shade val="50000"/>
+            </a:schemeClr>
+          </a:lnRef>
+          <a:fillRef idx="1">
+            <a:schemeClr val="accent1"/>
+          </a:fillRef>
+          <a:effectRef idx="0">
+            <a:schemeClr val="accent1"/>
+          </a:effectRef>
+          <a:fontRef idx="minor">
+            <a:schemeClr val="lt1"/>
+          </a:fontRef>
+        </p:style>
+        <p:txBody>
+          <a:bodyPr rtlCol="0" anchor="ctr"/>
+          <a:lstStyle/>
+          <a:p>
+            <a:pPr algn="ctr"/>
+            <a:endParaRPr lang="ko-KR" altLang="en-US"/>
+          </a:p>
+        </p:txBody>
+      </p:sp>
+      <p:sp>
+        <p:nvSpPr>
+          <p:cNvPr id="6" name="직사각형 5">
+            <a:extLst>
+              <a:ext uri="{FF2B5EF4-FFF2-40B4-BE49-F238E27FC236}">
+                <a16:creationId xmlns:a16="http://schemas.microsoft.com/office/drawing/2014/main" id="{17DFFD26-028B-4DBA-BB7E-C6B40DED4FA4}"/>
+              </a:ext>
+            </a:extLst>
+          </p:cNvPr>
+          <p:cNvSpPr/>
+          <p:nvPr/>
+        </p:nvSpPr>
+        <p:spPr>
+          <a:xfrm rot="19754287">
+            <a:off x="1530257" y="1550625"/>
+            <a:ext cx="2207110" cy="2213655"/>
+          </a:xfrm>
+          <a:prstGeom prst="rect">
+            <a:avLst/>
+          </a:prstGeom>
+          <a:noFill/>
+          <a:ln w="19050">
+            <a:solidFill>
+              <a:srgbClr val="FF0000"/>
+            </a:solidFill>
+          </a:ln>
+        </p:spPr>
+        <p:style>
+          <a:lnRef idx="2">
+            <a:schemeClr val="accent1">
+              <a:shade val="50000"/>
+            </a:schemeClr>
+          </a:lnRef>
+          <a:fillRef idx="1">
+            <a:schemeClr val="accent1"/>
+          </a:fillRef>
+          <a:effectRef idx="0">
+            <a:schemeClr val="accent1"/>
+          </a:effectRef>
+          <a:fontRef idx="minor">
+            <a:schemeClr val="lt1"/>
+          </a:fontRef>
+        </p:style>
+        <p:txBody>
+          <a:bodyPr rtlCol="0" anchor="ctr"/>
+          <a:lstStyle/>
+          <a:p>
+            <a:pPr algn="ctr"/>
+            <a:endParaRPr lang="ko-KR" altLang="en-US"/>
+          </a:p>
+        </p:txBody>
+      </p:sp>
+      <p:cxnSp>
+        <p:nvCxnSpPr>
+          <p:cNvPr id="3" name="직선 화살표 연결선 2">
+            <a:extLst>
+              <a:ext uri="{FF2B5EF4-FFF2-40B4-BE49-F238E27FC236}">
+                <a16:creationId xmlns:a16="http://schemas.microsoft.com/office/drawing/2014/main" id="{EBD2351D-E21A-4C5E-ABEC-02D894A54826}"/>
+              </a:ext>
+            </a:extLst>
+          </p:cNvPr>
+          <p:cNvCxnSpPr>
+            <a:stCxn id="6" idx="2"/>
+          </p:cNvCxnSpPr>
+          <p:nvPr/>
+        </p:nvCxnSpPr>
+        <p:spPr>
+          <a:xfrm flipH="1" flipV="1">
+            <a:off x="2082950" y="1398225"/>
+            <a:ext cx="1116973" cy="2210325"/>
+          </a:xfrm>
+          <a:prstGeom prst="straightConnector1">
+            <a:avLst/>
+          </a:prstGeom>
+          <a:ln w="38100">
+            <a:tailEnd type="triangle"/>
+          </a:ln>
+        </p:spPr>
+        <p:style>
+          <a:lnRef idx="1">
+            <a:schemeClr val="dk1"/>
+          </a:lnRef>
+          <a:fillRef idx="0">
+            <a:schemeClr val="dk1"/>
+          </a:fillRef>
+          <a:effectRef idx="0">
+            <a:schemeClr val="dk1"/>
+          </a:effectRef>
+          <a:fontRef idx="minor">
+            <a:schemeClr val="tx1"/>
+          </a:fontRef>
+        </p:style>
+      </p:cxnSp>
+      <p:cxnSp>
+        <p:nvCxnSpPr>
+          <p:cNvPr id="7" name="직선 화살표 연결선 6">
+            <a:extLst>
+              <a:ext uri="{FF2B5EF4-FFF2-40B4-BE49-F238E27FC236}">
+                <a16:creationId xmlns:a16="http://schemas.microsoft.com/office/drawing/2014/main" id="{A4C119BD-EE61-4CE5-B5BC-3DAE570354E3}"/>
+              </a:ext>
+            </a:extLst>
+          </p:cNvPr>
+          <p:cNvCxnSpPr>
+            <a:cxnSpLocks/>
+          </p:cNvCxnSpPr>
+          <p:nvPr/>
+        </p:nvCxnSpPr>
+        <p:spPr>
+          <a:xfrm flipH="1" flipV="1">
+            <a:off x="1119416" y="2217869"/>
+            <a:ext cx="2080507" cy="1390681"/>
+          </a:xfrm>
+          <a:prstGeom prst="straightConnector1">
+            <a:avLst/>
+          </a:prstGeom>
+          <a:ln w="38100">
+            <a:tailEnd type="triangle"/>
+          </a:ln>
+        </p:spPr>
+        <p:style>
+          <a:lnRef idx="1">
+            <a:schemeClr val="dk1"/>
+          </a:lnRef>
+          <a:fillRef idx="0">
+            <a:schemeClr val="dk1"/>
+          </a:fillRef>
+          <a:effectRef idx="0">
+            <a:schemeClr val="dk1"/>
+          </a:effectRef>
+          <a:fontRef idx="minor">
+            <a:schemeClr val="tx1"/>
+          </a:fontRef>
+        </p:style>
+      </p:cxnSp>
+      <p:sp>
+        <p:nvSpPr>
+          <p:cNvPr id="10" name="부분 원형 9">
+            <a:extLst>
+              <a:ext uri="{FF2B5EF4-FFF2-40B4-BE49-F238E27FC236}">
+                <a16:creationId xmlns:a16="http://schemas.microsoft.com/office/drawing/2014/main" id="{E0EF10E6-F0E6-4418-B1F0-145823D06C29}"/>
+              </a:ext>
+            </a:extLst>
+          </p:cNvPr>
+          <p:cNvSpPr/>
+          <p:nvPr/>
+        </p:nvSpPr>
+        <p:spPr>
+          <a:xfrm rot="12951510">
+            <a:off x="2714065" y="3130156"/>
+            <a:ext cx="914400" cy="914400"/>
+          </a:xfrm>
+          <a:prstGeom prst="pie">
+            <a:avLst>
+              <a:gd name="adj1" fmla="val 21466995"/>
+              <a:gd name="adj2" fmla="val 1650558"/>
+            </a:avLst>
+          </a:prstGeom>
+          <a:solidFill>
+            <a:schemeClr val="accent1">
+              <a:alpha val="39000"/>
+            </a:schemeClr>
+          </a:solidFill>
+          <a:ln>
+            <a:noFill/>
+          </a:ln>
+        </p:spPr>
+        <p:style>
+          <a:lnRef idx="2">
+            <a:schemeClr val="accent1">
+              <a:shade val="50000"/>
+            </a:schemeClr>
+          </a:lnRef>
+          <a:fillRef idx="1">
+            <a:schemeClr val="accent1"/>
+          </a:fillRef>
+          <a:effectRef idx="0">
+            <a:schemeClr val="accent1"/>
+          </a:effectRef>
+          <a:fontRef idx="minor">
+            <a:schemeClr val="lt1"/>
+          </a:fontRef>
+        </p:style>
+        <p:txBody>
+          <a:bodyPr rtlCol="0" anchor="ctr"/>
+          <a:lstStyle/>
+          <a:p>
+            <a:pPr algn="ctr"/>
+            <a:endParaRPr lang="ko-KR" altLang="en-US" dirty="0">
+              <a:solidFill>
+                <a:schemeClr val="tx1"/>
+              </a:solidFill>
+            </a:endParaRPr>
+          </a:p>
+        </p:txBody>
+      </p:sp>
+      <mc:AlternateContent xmlns:mc="http://schemas.openxmlformats.org/markup-compatibility/2006">
+        <mc:Choice xmlns:a14="http://schemas.microsoft.com/office/drawing/2010/main" Requires="a14">
+          <p:sp>
+            <p:nvSpPr>
+              <p:cNvPr id="11" name="TextBox 10">
+                <a:extLst>
+                  <a:ext uri="{FF2B5EF4-FFF2-40B4-BE49-F238E27FC236}">
+                    <a16:creationId xmlns:a16="http://schemas.microsoft.com/office/drawing/2014/main" id="{F112856D-5425-4923-AC8F-2B3A6A3BD42E}"/>
+                  </a:ext>
+                </a:extLst>
+              </p:cNvPr>
+              <p:cNvSpPr txBox="1"/>
+              <p:nvPr/>
+            </p:nvSpPr>
+            <p:spPr>
+              <a:xfrm>
+                <a:off x="2641436" y="2975385"/>
+                <a:ext cx="189474" cy="276999"/>
+              </a:xfrm>
+              <a:prstGeom prst="rect">
+                <a:avLst/>
+              </a:prstGeom>
+              <a:noFill/>
+            </p:spPr>
+            <p:txBody>
+              <a:bodyPr wrap="none" lIns="0" tIns="0" rIns="0" bIns="0" rtlCol="0">
+                <a:spAutoFit/>
+              </a:bodyPr>
+              <a:lstStyle/>
+              <a:p>
+                <a14:m>
+                  <m:oMathPara xmlns:m="http://schemas.openxmlformats.org/officeDocument/2006/math">
+                    <m:oMathParaPr>
+                      <m:jc m:val="centerGroup"/>
+                    </m:oMathParaPr>
+                    <m:oMath xmlns:m="http://schemas.openxmlformats.org/officeDocument/2006/math">
+                      <m:r>
+                        <a:rPr lang="ko-KR" altLang="en-US" i="1" smtClean="0">
+                          <a:latin typeface="Cambria Math" panose="02040503050406030204" pitchFamily="18" charset="0"/>
+                        </a:rPr>
+                        <m:t>𝜃</m:t>
+                      </m:r>
+                    </m:oMath>
+                  </m:oMathPara>
+                </a14:m>
+                <a:endParaRPr lang="ko-KR" altLang="en-US" dirty="0"/>
+              </a:p>
+            </p:txBody>
+          </p:sp>
+        </mc:Choice>
+        <mc:Fallback>
+          <p:sp>
+            <p:nvSpPr>
+              <p:cNvPr id="11" name="TextBox 10">
+                <a:extLst>
+                  <a:ext uri="{FF2B5EF4-FFF2-40B4-BE49-F238E27FC236}">
+                    <a16:creationId xmlns:a16="http://schemas.microsoft.com/office/drawing/2014/main" id="{F112856D-5425-4923-AC8F-2B3A6A3BD42E}"/>
+                  </a:ext>
+                </a:extLst>
+              </p:cNvPr>
+              <p:cNvSpPr txBox="1">
+                <a:spLocks noRot="1" noChangeAspect="1" noMove="1" noResize="1" noEditPoints="1" noAdjustHandles="1" noChangeArrowheads="1" noChangeShapeType="1" noTextEdit="1"/>
+              </p:cNvSpPr>
+              <p:nvPr/>
+            </p:nvSpPr>
+            <p:spPr>
+              <a:xfrm>
+                <a:off x="2641436" y="2975385"/>
+                <a:ext cx="189474" cy="276999"/>
+              </a:xfrm>
+              <a:prstGeom prst="rect">
+                <a:avLst/>
+              </a:prstGeom>
+              <a:blipFill>
+                <a:blip r:embed="rId3"/>
+                <a:stretch>
+                  <a:fillRect l="-29032" r="-25806" b="-6522"/>
+                </a:stretch>
+              </a:blipFill>
+            </p:spPr>
+            <p:txBody>
+              <a:bodyPr/>
+              <a:lstStyle/>
+              <a:p>
+                <a:r>
+                  <a:rPr lang="ko-KR" altLang="en-US">
+                    <a:noFill/>
+                  </a:rPr>
+                  <a:t> </a:t>
+                </a:r>
+              </a:p>
+            </p:txBody>
+          </p:sp>
+        </mc:Fallback>
+      </mc:AlternateContent>
+      <p:sp>
+        <p:nvSpPr>
+          <p:cNvPr id="14" name="화살표: 아래쪽 13">
+            <a:extLst>
+              <a:ext uri="{FF2B5EF4-FFF2-40B4-BE49-F238E27FC236}">
+                <a16:creationId xmlns:a16="http://schemas.microsoft.com/office/drawing/2014/main" id="{B4BE554A-4DE5-46CC-BB50-37A17B5EC10C}"/>
+              </a:ext>
+            </a:extLst>
+          </p:cNvPr>
+          <p:cNvSpPr/>
+          <p:nvPr/>
+        </p:nvSpPr>
+        <p:spPr>
+          <a:xfrm rot="3251763">
+            <a:off x="1714686" y="1824623"/>
+            <a:ext cx="481584" cy="824763"/>
+          </a:xfrm>
+          <a:prstGeom prst="downArrow">
+            <a:avLst/>
+          </a:prstGeom>
+          <a:gradFill>
+            <a:gsLst>
+              <a:gs pos="0">
+                <a:schemeClr val="accent1">
+                  <a:lumMod val="110000"/>
+                  <a:satMod val="105000"/>
+                  <a:tint val="67000"/>
+                  <a:alpha val="0"/>
+                </a:schemeClr>
+              </a:gs>
+              <a:gs pos="50000">
+                <a:schemeClr val="accent1">
+                  <a:lumMod val="105000"/>
+                  <a:satMod val="103000"/>
+                  <a:tint val="73000"/>
+                </a:schemeClr>
+              </a:gs>
+              <a:gs pos="100000">
+                <a:schemeClr val="accent1">
+                  <a:lumMod val="105000"/>
+                  <a:satMod val="109000"/>
+                  <a:tint val="81000"/>
+                </a:schemeClr>
+              </a:gs>
+            </a:gsLst>
+          </a:gradFill>
+          <a:ln>
+            <a:noFill/>
+          </a:ln>
+        </p:spPr>
+        <p:style>
+          <a:lnRef idx="1">
+            <a:schemeClr val="accent1"/>
+          </a:lnRef>
+          <a:fillRef idx="2">
+            <a:schemeClr val="accent1"/>
+          </a:fillRef>
+          <a:effectRef idx="1">
+            <a:schemeClr val="accent1"/>
+          </a:effectRef>
+          <a:fontRef idx="minor">
+            <a:schemeClr val="dk1"/>
+          </a:fontRef>
+        </p:style>
+        <p:txBody>
+          <a:bodyPr rtlCol="0" anchor="ctr"/>
+          <a:lstStyle/>
+          <a:p>
+            <a:pPr algn="ctr"/>
+            <a:endParaRPr lang="ko-KR" altLang="en-US" dirty="0"/>
+          </a:p>
+        </p:txBody>
+      </p:sp>
+      <p:grpSp>
+        <p:nvGrpSpPr>
+          <p:cNvPr id="32" name="그룹 31">
+            <a:extLst>
+              <a:ext uri="{FF2B5EF4-FFF2-40B4-BE49-F238E27FC236}">
+                <a16:creationId xmlns:a16="http://schemas.microsoft.com/office/drawing/2014/main" id="{0FCB1B81-7AC6-464F-8926-CC9418887B96}"/>
+              </a:ext>
+            </a:extLst>
+          </p:cNvPr>
+          <p:cNvGrpSpPr/>
+          <p:nvPr/>
+        </p:nvGrpSpPr>
+        <p:grpSpPr>
+          <a:xfrm>
+            <a:off x="5209904" y="712304"/>
+            <a:ext cx="5090385" cy="3833192"/>
+            <a:chOff x="4887781" y="712304"/>
+            <a:chExt cx="5090385" cy="3833192"/>
+          </a:xfrm>
+        </p:grpSpPr>
+        <p:pic>
+          <p:nvPicPr>
+            <p:cNvPr id="15" name="그림 14">
+              <a:extLst>
+                <a:ext uri="{FF2B5EF4-FFF2-40B4-BE49-F238E27FC236}">
+                  <a16:creationId xmlns:a16="http://schemas.microsoft.com/office/drawing/2014/main" id="{BB8F6366-9F2C-45D9-BA04-7B5298703654}"/>
+                </a:ext>
+              </a:extLst>
+            </p:cNvPr>
+            <p:cNvPicPr>
+              <a:picLocks noChangeAspect="1"/>
+            </p:cNvPicPr>
+            <p:nvPr/>
+          </p:nvPicPr>
+          <p:blipFill rotWithShape="1">
+            <a:blip r:embed="rId2"/>
+            <a:srcRect r="27376"/>
+            <a:stretch/>
+          </p:blipFill>
+          <p:spPr>
+            <a:xfrm>
+              <a:off x="5368015" y="712304"/>
+              <a:ext cx="4610151" cy="3833192"/>
+            </a:xfrm>
+            <a:prstGeom prst="rect">
+              <a:avLst/>
+            </a:prstGeom>
+          </p:spPr>
+        </p:pic>
+        <p:cxnSp>
+          <p:nvCxnSpPr>
+            <p:cNvPr id="18" name="직선 화살표 연결선 17">
+              <a:extLst>
+                <a:ext uri="{FF2B5EF4-FFF2-40B4-BE49-F238E27FC236}">
+                  <a16:creationId xmlns:a16="http://schemas.microsoft.com/office/drawing/2014/main" id="{51605A47-8A6F-4C18-872C-B13F934E11E5}"/>
+                </a:ext>
+              </a:extLst>
+            </p:cNvPr>
+            <p:cNvCxnSpPr>
+              <a:cxnSpLocks/>
+            </p:cNvCxnSpPr>
+            <p:nvPr/>
+          </p:nvCxnSpPr>
+          <p:spPr>
+            <a:xfrm flipH="1" flipV="1">
+              <a:off x="6959750" y="1398225"/>
+              <a:ext cx="1116973" cy="2210325"/>
+            </a:xfrm>
+            <a:prstGeom prst="straightConnector1">
+              <a:avLst/>
+            </a:prstGeom>
+            <a:ln w="38100">
+              <a:tailEnd type="triangle"/>
+            </a:ln>
+          </p:spPr>
+          <p:style>
+            <a:lnRef idx="1">
+              <a:schemeClr val="dk1"/>
+            </a:lnRef>
+            <a:fillRef idx="0">
+              <a:schemeClr val="dk1"/>
+            </a:fillRef>
+            <a:effectRef idx="0">
+              <a:schemeClr val="dk1"/>
+            </a:effectRef>
+            <a:fontRef idx="minor">
+              <a:schemeClr val="tx1"/>
+            </a:fontRef>
+          </p:style>
+        </p:cxnSp>
+        <p:cxnSp>
+          <p:nvCxnSpPr>
+            <p:cNvPr id="19" name="직선 화살표 연결선 18">
+              <a:extLst>
+                <a:ext uri="{FF2B5EF4-FFF2-40B4-BE49-F238E27FC236}">
+                  <a16:creationId xmlns:a16="http://schemas.microsoft.com/office/drawing/2014/main" id="{51788EEC-01EA-4686-B099-88DFBB2254EC}"/>
+                </a:ext>
+              </a:extLst>
+            </p:cNvPr>
+            <p:cNvCxnSpPr>
+              <a:cxnSpLocks/>
+            </p:cNvCxnSpPr>
+            <p:nvPr/>
+          </p:nvCxnSpPr>
+          <p:spPr>
+            <a:xfrm flipH="1" flipV="1">
+              <a:off x="4887781" y="2217869"/>
+              <a:ext cx="2080507" cy="1390681"/>
+            </a:xfrm>
+            <a:prstGeom prst="straightConnector1">
+              <a:avLst/>
+            </a:prstGeom>
+            <a:ln w="38100">
+              <a:solidFill>
+                <a:schemeClr val="accent5">
+                  <a:lumMod val="75000"/>
+                </a:schemeClr>
+              </a:solidFill>
+              <a:tailEnd type="triangle"/>
+            </a:ln>
+          </p:spPr>
+          <p:style>
+            <a:lnRef idx="1">
+              <a:schemeClr val="dk1"/>
+            </a:lnRef>
+            <a:fillRef idx="0">
+              <a:schemeClr val="dk1"/>
+            </a:fillRef>
+            <a:effectRef idx="0">
+              <a:schemeClr val="dk1"/>
+            </a:effectRef>
+            <a:fontRef idx="minor">
+              <a:schemeClr val="tx1"/>
+            </a:fontRef>
+          </p:style>
+        </p:cxnSp>
+        <p:sp>
+          <p:nvSpPr>
+            <p:cNvPr id="20" name="부분 원형 19">
+              <a:extLst>
+                <a:ext uri="{FF2B5EF4-FFF2-40B4-BE49-F238E27FC236}">
+                  <a16:creationId xmlns:a16="http://schemas.microsoft.com/office/drawing/2014/main" id="{9168FC19-5ACA-410A-9920-BB55E1554C79}"/>
+                </a:ext>
+              </a:extLst>
+            </p:cNvPr>
+            <p:cNvSpPr/>
+            <p:nvPr/>
+          </p:nvSpPr>
+          <p:spPr>
+            <a:xfrm rot="12951510">
+              <a:off x="6502551" y="3130155"/>
+              <a:ext cx="914400" cy="914400"/>
+            </a:xfrm>
+            <a:prstGeom prst="pie">
+              <a:avLst>
+                <a:gd name="adj1" fmla="val 21466995"/>
+                <a:gd name="adj2" fmla="val 1650558"/>
+              </a:avLst>
+            </a:prstGeom>
+            <a:solidFill>
+              <a:schemeClr val="accent1">
+                <a:alpha val="39000"/>
+              </a:schemeClr>
+            </a:solidFill>
+            <a:ln>
+              <a:noFill/>
+            </a:ln>
+          </p:spPr>
+          <p:style>
+            <a:lnRef idx="2">
+              <a:schemeClr val="accent1">
+                <a:shade val="50000"/>
+              </a:schemeClr>
+            </a:lnRef>
+            <a:fillRef idx="1">
+              <a:schemeClr val="accent1"/>
+            </a:fillRef>
+            <a:effectRef idx="0">
+              <a:schemeClr val="accent1"/>
+            </a:effectRef>
+            <a:fontRef idx="minor">
+              <a:schemeClr val="lt1"/>
+            </a:fontRef>
+          </p:style>
+          <p:txBody>
+            <a:bodyPr rtlCol="0" anchor="ctr"/>
+            <a:lstStyle/>
+            <a:p>
+              <a:pPr algn="ctr"/>
+              <a:endParaRPr lang="ko-KR" altLang="en-US" dirty="0">
+                <a:solidFill>
+                  <a:schemeClr val="tx1"/>
+                </a:solidFill>
+              </a:endParaRPr>
+            </a:p>
+          </p:txBody>
+        </p:sp>
+        <mc:AlternateContent xmlns:mc="http://schemas.openxmlformats.org/markup-compatibility/2006">
+          <mc:Choice xmlns:a14="http://schemas.microsoft.com/office/drawing/2010/main" Requires="a14">
+            <p:sp>
+              <p:nvSpPr>
+                <p:cNvPr id="21" name="TextBox 20">
+                  <a:extLst>
+                    <a:ext uri="{FF2B5EF4-FFF2-40B4-BE49-F238E27FC236}">
+                      <a16:creationId xmlns:a16="http://schemas.microsoft.com/office/drawing/2014/main" id="{D50A5F93-EE43-4B14-9D0D-F41839192803}"/>
+                    </a:ext>
+                  </a:extLst>
+                </p:cNvPr>
+                <p:cNvSpPr txBox="1"/>
+                <p:nvPr/>
+              </p:nvSpPr>
+              <p:spPr>
+                <a:xfrm>
+                  <a:off x="6535242" y="3113884"/>
+                  <a:ext cx="189474" cy="276999"/>
+                </a:xfrm>
+                <a:prstGeom prst="rect">
+                  <a:avLst/>
+                </a:prstGeom>
+                <a:noFill/>
+              </p:spPr>
+              <p:txBody>
+                <a:bodyPr wrap="none" lIns="0" tIns="0" rIns="0" bIns="0" rtlCol="0">
+                  <a:spAutoFit/>
+                </a:bodyPr>
+                <a:lstStyle/>
+                <a:p>
+                  <a14:m>
+                    <m:oMathPara xmlns:m="http://schemas.openxmlformats.org/officeDocument/2006/math">
+                      <m:oMathParaPr>
+                        <m:jc m:val="centerGroup"/>
+                      </m:oMathParaPr>
+                      <m:oMath xmlns:m="http://schemas.openxmlformats.org/officeDocument/2006/math">
+                        <m:r>
+                          <a:rPr lang="ko-KR" altLang="en-US" i="1" smtClean="0">
+                            <a:latin typeface="Cambria Math" panose="02040503050406030204" pitchFamily="18" charset="0"/>
+                          </a:rPr>
+                          <m:t>𝜃</m:t>
+                        </m:r>
+                      </m:oMath>
+                    </m:oMathPara>
+                  </a14:m>
+                  <a:endParaRPr lang="ko-KR" altLang="en-US" dirty="0"/>
+                </a:p>
+              </p:txBody>
+            </p:sp>
+          </mc:Choice>
+          <mc:Fallback>
+            <p:sp>
+              <p:nvSpPr>
+                <p:cNvPr id="21" name="TextBox 20">
+                  <a:extLst>
+                    <a:ext uri="{FF2B5EF4-FFF2-40B4-BE49-F238E27FC236}">
+                      <a16:creationId xmlns:a16="http://schemas.microsoft.com/office/drawing/2014/main" id="{D50A5F93-EE43-4B14-9D0D-F41839192803}"/>
+                    </a:ext>
+                  </a:extLst>
+                </p:cNvPr>
+                <p:cNvSpPr txBox="1">
+                  <a:spLocks noRot="1" noChangeAspect="1" noMove="1" noResize="1" noEditPoints="1" noAdjustHandles="1" noChangeArrowheads="1" noChangeShapeType="1" noTextEdit="1"/>
+                </p:cNvSpPr>
+                <p:nvPr/>
+              </p:nvSpPr>
+              <p:spPr>
+                <a:xfrm>
+                  <a:off x="6535242" y="3113884"/>
+                  <a:ext cx="189474" cy="276999"/>
+                </a:xfrm>
+                <a:prstGeom prst="rect">
+                  <a:avLst/>
+                </a:prstGeom>
+                <a:blipFill>
+                  <a:blip r:embed="rId4"/>
+                  <a:stretch>
+                    <a:fillRect l="-32258" r="-22581" b="-6667"/>
+                  </a:stretch>
+                </a:blipFill>
+              </p:spPr>
+              <p:txBody>
+                <a:bodyPr/>
+                <a:lstStyle/>
+                <a:p>
+                  <a:r>
+                    <a:rPr lang="ko-KR" altLang="en-US">
+                      <a:noFill/>
+                    </a:rPr>
+                    <a:t> </a:t>
+                  </a:r>
+                </a:p>
+              </p:txBody>
+            </p:sp>
+          </mc:Fallback>
+        </mc:AlternateContent>
+        <p:cxnSp>
+          <p:nvCxnSpPr>
+            <p:cNvPr id="24" name="직선 화살표 연결선 23">
+              <a:extLst>
+                <a:ext uri="{FF2B5EF4-FFF2-40B4-BE49-F238E27FC236}">
+                  <a16:creationId xmlns:a16="http://schemas.microsoft.com/office/drawing/2014/main" id="{DBD2067E-F34E-4D91-ACDD-338936C1588C}"/>
+                </a:ext>
+              </a:extLst>
+            </p:cNvPr>
+            <p:cNvCxnSpPr>
+              <a:cxnSpLocks/>
+            </p:cNvCxnSpPr>
+            <p:nvPr/>
+          </p:nvCxnSpPr>
+          <p:spPr>
+            <a:xfrm flipH="1" flipV="1">
+              <a:off x="5851315" y="1398225"/>
+              <a:ext cx="1116973" cy="2210325"/>
+            </a:xfrm>
+            <a:prstGeom prst="straightConnector1">
+              <a:avLst/>
+            </a:prstGeom>
+            <a:ln w="38100">
+              <a:prstDash val="sysDash"/>
+              <a:tailEnd type="triangle"/>
+            </a:ln>
+          </p:spPr>
+          <p:style>
+            <a:lnRef idx="1">
+              <a:schemeClr val="dk1"/>
+            </a:lnRef>
+            <a:fillRef idx="0">
+              <a:schemeClr val="dk1"/>
+            </a:fillRef>
+            <a:effectRef idx="0">
+              <a:schemeClr val="dk1"/>
+            </a:effectRef>
+            <a:fontRef idx="minor">
+              <a:schemeClr val="tx1"/>
+            </a:fontRef>
+          </p:style>
+        </p:cxnSp>
+        <p:sp>
+          <p:nvSpPr>
+            <p:cNvPr id="25" name="화살표: 아래쪽 24">
+              <a:extLst>
+                <a:ext uri="{FF2B5EF4-FFF2-40B4-BE49-F238E27FC236}">
+                  <a16:creationId xmlns:a16="http://schemas.microsoft.com/office/drawing/2014/main" id="{2474F9FC-44E1-4D70-98C9-98799A9CFA96}"/>
+                </a:ext>
+              </a:extLst>
+            </p:cNvPr>
+            <p:cNvSpPr/>
+            <p:nvPr/>
+          </p:nvSpPr>
+          <p:spPr>
+            <a:xfrm rot="5400000">
+              <a:off x="6463332" y="1636100"/>
+              <a:ext cx="481584" cy="824763"/>
+            </a:xfrm>
+            <a:prstGeom prst="downArrow">
+              <a:avLst/>
+            </a:prstGeom>
+            <a:gradFill>
+              <a:gsLst>
+                <a:gs pos="0">
+                  <a:schemeClr val="accent3">
+                    <a:satMod val="103000"/>
+                    <a:lumMod val="102000"/>
+                    <a:tint val="94000"/>
+                    <a:alpha val="0"/>
+                  </a:schemeClr>
+                </a:gs>
+                <a:gs pos="50000">
+                  <a:schemeClr val="accent3">
+                    <a:satMod val="110000"/>
+                    <a:lumMod val="100000"/>
+                    <a:shade val="100000"/>
+                  </a:schemeClr>
+                </a:gs>
+                <a:gs pos="100000">
+                  <a:schemeClr val="accent3">
+                    <a:lumMod val="99000"/>
+                    <a:satMod val="120000"/>
+                    <a:shade val="78000"/>
+                  </a:schemeClr>
+                </a:gs>
+              </a:gsLst>
+            </a:gradFill>
+            <a:ln>
+              <a:noFill/>
+            </a:ln>
+          </p:spPr>
+          <p:style>
+            <a:lnRef idx="1">
+              <a:schemeClr val="accent3"/>
+            </a:lnRef>
+            <a:fillRef idx="3">
+              <a:schemeClr val="accent3"/>
+            </a:fillRef>
+            <a:effectRef idx="2">
+              <a:schemeClr val="accent3"/>
+            </a:effectRef>
+            <a:fontRef idx="minor">
+              <a:schemeClr val="lt1"/>
+            </a:fontRef>
+          </p:style>
+          <p:txBody>
+            <a:bodyPr rtlCol="0" anchor="ctr"/>
+            <a:lstStyle/>
+            <a:p>
+              <a:pPr algn="ctr"/>
+              <a:endParaRPr lang="ko-KR" altLang="en-US" dirty="0"/>
+            </a:p>
+          </p:txBody>
+        </p:sp>
+        <p:sp>
+          <p:nvSpPr>
+            <p:cNvPr id="26" name="화살표: 아래쪽 25">
+              <a:extLst>
+                <a:ext uri="{FF2B5EF4-FFF2-40B4-BE49-F238E27FC236}">
+                  <a16:creationId xmlns:a16="http://schemas.microsoft.com/office/drawing/2014/main" id="{C09E0E00-8D8B-4FD1-B97C-1B19D592A82D}"/>
+                </a:ext>
+              </a:extLst>
+            </p:cNvPr>
+            <p:cNvSpPr/>
+            <p:nvPr/>
+          </p:nvSpPr>
+          <p:spPr>
+            <a:xfrm rot="2700000">
+              <a:off x="5368763" y="1739864"/>
+              <a:ext cx="481584" cy="824763"/>
+            </a:xfrm>
+            <a:prstGeom prst="downArrow">
+              <a:avLst/>
+            </a:prstGeom>
+            <a:gradFill>
+              <a:gsLst>
+                <a:gs pos="0">
+                  <a:schemeClr val="accent1">
+                    <a:lumMod val="110000"/>
+                    <a:satMod val="105000"/>
+                    <a:tint val="67000"/>
+                    <a:alpha val="0"/>
+                  </a:schemeClr>
+                </a:gs>
+                <a:gs pos="50000">
+                  <a:schemeClr val="accent1">
+                    <a:lumMod val="105000"/>
+                    <a:satMod val="103000"/>
+                    <a:tint val="73000"/>
+                  </a:schemeClr>
+                </a:gs>
+                <a:gs pos="100000">
+                  <a:schemeClr val="accent1">
+                    <a:lumMod val="105000"/>
+                    <a:satMod val="109000"/>
+                    <a:tint val="81000"/>
+                  </a:schemeClr>
+                </a:gs>
+              </a:gsLst>
+            </a:gradFill>
+            <a:ln>
+              <a:noFill/>
+            </a:ln>
+          </p:spPr>
+          <p:style>
+            <a:lnRef idx="1">
+              <a:schemeClr val="accent1"/>
+            </a:lnRef>
+            <a:fillRef idx="2">
+              <a:schemeClr val="accent1"/>
+            </a:fillRef>
+            <a:effectRef idx="1">
+              <a:schemeClr val="accent1"/>
+            </a:effectRef>
+            <a:fontRef idx="minor">
+              <a:schemeClr val="dk1"/>
+            </a:fontRef>
+          </p:style>
+          <p:txBody>
+            <a:bodyPr rtlCol="0" anchor="ctr"/>
+            <a:lstStyle/>
+            <a:p>
+              <a:pPr algn="ctr"/>
+              <a:endParaRPr lang="ko-KR" altLang="en-US" dirty="0"/>
+            </a:p>
+          </p:txBody>
+        </p:sp>
+        <p:cxnSp>
+          <p:nvCxnSpPr>
+            <p:cNvPr id="27" name="직선 화살표 연결선 26">
+              <a:extLst>
+                <a:ext uri="{FF2B5EF4-FFF2-40B4-BE49-F238E27FC236}">
+                  <a16:creationId xmlns:a16="http://schemas.microsoft.com/office/drawing/2014/main" id="{A23E3820-B8AF-45D5-8B70-9AE0096FEE7F}"/>
+                </a:ext>
+              </a:extLst>
+            </p:cNvPr>
+            <p:cNvCxnSpPr>
+              <a:cxnSpLocks/>
+            </p:cNvCxnSpPr>
+            <p:nvPr/>
+          </p:nvCxnSpPr>
+          <p:spPr>
+            <a:xfrm flipH="1" flipV="1">
+              <a:off x="5974359" y="2217869"/>
+              <a:ext cx="2080507" cy="1390681"/>
+            </a:xfrm>
+            <a:prstGeom prst="straightConnector1">
+              <a:avLst/>
+            </a:prstGeom>
+            <a:ln w="38100">
+              <a:solidFill>
+                <a:srgbClr val="FF0000"/>
+              </a:solidFill>
+              <a:tailEnd type="triangle"/>
+            </a:ln>
+          </p:spPr>
+          <p:style>
+            <a:lnRef idx="1">
+              <a:schemeClr val="dk1"/>
+            </a:lnRef>
+            <a:fillRef idx="0">
+              <a:schemeClr val="dk1"/>
+            </a:fillRef>
+            <a:effectRef idx="0">
+              <a:schemeClr val="dk1"/>
+            </a:effectRef>
+            <a:fontRef idx="minor">
+              <a:schemeClr val="tx1"/>
+            </a:fontRef>
+          </p:style>
+        </p:cxnSp>
+        <p:sp>
+          <p:nvSpPr>
+            <p:cNvPr id="28" name="화살표: 아래쪽 27">
+              <a:extLst>
+                <a:ext uri="{FF2B5EF4-FFF2-40B4-BE49-F238E27FC236}">
+                  <a16:creationId xmlns:a16="http://schemas.microsoft.com/office/drawing/2014/main" id="{0C6ED31E-241F-4BC5-9F44-F5D01AEC11C0}"/>
+                </a:ext>
+              </a:extLst>
+            </p:cNvPr>
+            <p:cNvSpPr/>
+            <p:nvPr/>
+          </p:nvSpPr>
+          <p:spPr>
+            <a:xfrm rot="16200000">
+              <a:off x="5970431" y="2404379"/>
+              <a:ext cx="481584" cy="824763"/>
+            </a:xfrm>
+            <a:prstGeom prst="downArrow">
+              <a:avLst/>
+            </a:prstGeom>
+            <a:gradFill>
+              <a:gsLst>
+                <a:gs pos="0">
+                  <a:schemeClr val="accent2">
+                    <a:lumMod val="110000"/>
+                    <a:satMod val="105000"/>
+                    <a:tint val="67000"/>
+                    <a:alpha val="0"/>
+                  </a:schemeClr>
+                </a:gs>
+                <a:gs pos="50000">
+                  <a:schemeClr val="accent2">
+                    <a:lumMod val="105000"/>
+                    <a:satMod val="103000"/>
+                    <a:tint val="73000"/>
+                  </a:schemeClr>
+                </a:gs>
+                <a:gs pos="100000">
+                  <a:schemeClr val="accent2">
+                    <a:lumMod val="105000"/>
+                    <a:satMod val="109000"/>
+                    <a:tint val="81000"/>
+                  </a:schemeClr>
+                </a:gs>
+              </a:gsLst>
+            </a:gradFill>
+            <a:ln>
+              <a:noFill/>
+            </a:ln>
+          </p:spPr>
+          <p:style>
+            <a:lnRef idx="1">
+              <a:schemeClr val="accent2"/>
+            </a:lnRef>
+            <a:fillRef idx="2">
+              <a:schemeClr val="accent2"/>
+            </a:fillRef>
+            <a:effectRef idx="1">
+              <a:schemeClr val="accent2"/>
+            </a:effectRef>
+            <a:fontRef idx="minor">
+              <a:schemeClr val="dk1"/>
+            </a:fontRef>
+          </p:style>
+          <p:txBody>
+            <a:bodyPr rtlCol="0" anchor="ctr"/>
+            <a:lstStyle/>
+            <a:p>
+              <a:pPr algn="ctr"/>
+              <a:endParaRPr lang="ko-KR" altLang="en-US" dirty="0"/>
+            </a:p>
+          </p:txBody>
+        </p:sp>
+        <p:sp>
+          <p:nvSpPr>
+            <p:cNvPr id="29" name="TextBox 28">
+              <a:extLst>
+                <a:ext uri="{FF2B5EF4-FFF2-40B4-BE49-F238E27FC236}">
+                  <a16:creationId xmlns:a16="http://schemas.microsoft.com/office/drawing/2014/main" id="{32F2F196-7169-45F5-8805-8C2E9F1D34F6}"/>
+                </a:ext>
+              </a:extLst>
+            </p:cNvPr>
+            <p:cNvSpPr txBox="1"/>
+            <p:nvPr/>
+          </p:nvSpPr>
+          <p:spPr>
+            <a:xfrm>
+              <a:off x="6535242" y="1566692"/>
+              <a:ext cx="415498" cy="369332"/>
+            </a:xfrm>
+            <a:prstGeom prst="rect">
+              <a:avLst/>
+            </a:prstGeom>
+            <a:noFill/>
+          </p:spPr>
+          <p:txBody>
+            <a:bodyPr wrap="none" rtlCol="0">
+              <a:spAutoFit/>
+            </a:bodyPr>
+            <a:lstStyle/>
+            <a:p>
+              <a:r>
+                <a:rPr lang="ko-KR" altLang="en-US" b="1" dirty="0"/>
+                <a:t>①</a:t>
+              </a:r>
+            </a:p>
+          </p:txBody>
+        </p:sp>
+        <p:sp>
+          <p:nvSpPr>
+            <p:cNvPr id="30" name="TextBox 29">
+              <a:extLst>
+                <a:ext uri="{FF2B5EF4-FFF2-40B4-BE49-F238E27FC236}">
+                  <a16:creationId xmlns:a16="http://schemas.microsoft.com/office/drawing/2014/main" id="{D437B8D2-A3BA-4665-9924-2D729AF5F434}"/>
+                </a:ext>
+              </a:extLst>
+            </p:cNvPr>
+            <p:cNvSpPr txBox="1"/>
+            <p:nvPr/>
+          </p:nvSpPr>
+          <p:spPr>
+            <a:xfrm>
+              <a:off x="5338099" y="1782913"/>
+              <a:ext cx="415498" cy="369332"/>
+            </a:xfrm>
+            <a:prstGeom prst="rect">
+              <a:avLst/>
+            </a:prstGeom>
+            <a:noFill/>
+          </p:spPr>
+          <p:txBody>
+            <a:bodyPr wrap="none" rtlCol="0">
+              <a:spAutoFit/>
+            </a:bodyPr>
+            <a:lstStyle/>
+            <a:p>
+              <a:r>
+                <a:rPr lang="ko-KR" altLang="en-US" b="1" dirty="0"/>
+                <a:t>②</a:t>
+              </a:r>
+            </a:p>
+          </p:txBody>
+        </p:sp>
+        <p:sp>
+          <p:nvSpPr>
+            <p:cNvPr id="31" name="TextBox 30">
+              <a:extLst>
+                <a:ext uri="{FF2B5EF4-FFF2-40B4-BE49-F238E27FC236}">
+                  <a16:creationId xmlns:a16="http://schemas.microsoft.com/office/drawing/2014/main" id="{CAE5517D-7086-4ED8-9394-59B35537321C}"/>
+                </a:ext>
+              </a:extLst>
+            </p:cNvPr>
+            <p:cNvSpPr txBox="1"/>
+            <p:nvPr/>
+          </p:nvSpPr>
+          <p:spPr>
+            <a:xfrm>
+              <a:off x="5952763" y="2530125"/>
+              <a:ext cx="415498" cy="369332"/>
+            </a:xfrm>
+            <a:prstGeom prst="rect">
+              <a:avLst/>
+            </a:prstGeom>
+            <a:noFill/>
+          </p:spPr>
+          <p:txBody>
+            <a:bodyPr wrap="none" rtlCol="0">
+              <a:spAutoFit/>
+            </a:bodyPr>
+            <a:lstStyle/>
+            <a:p>
+              <a:r>
+                <a:rPr lang="ko-KR" altLang="en-US" b="1" dirty="0"/>
+                <a:t>③</a:t>
+              </a:r>
+            </a:p>
+          </p:txBody>
+        </p:sp>
+      </p:grpSp>
+    </p:spTree>
+    <p:extLst>
+      <p:ext uri="{BB962C8B-B14F-4D97-AF65-F5344CB8AC3E}">
+        <p14:creationId xmlns:p14="http://schemas.microsoft.com/office/powerpoint/2010/main" val="3234314581"/>
       </p:ext>
     </p:extLst>
   </p:cSld>
